--- a/ws/analysis/presentation.pptx
+++ b/ws/analysis/presentation.pptx
@@ -8,15 +8,16 @@
     <p:sldId id="256" r:id="rId2"/>
     <p:sldId id="257" r:id="rId3"/>
     <p:sldId id="258" r:id="rId4"/>
-    <p:sldId id="261" r:id="rId5"/>
-    <p:sldId id="262" r:id="rId6"/>
-    <p:sldId id="260" r:id="rId7"/>
-    <p:sldId id="259" r:id="rId8"/>
-    <p:sldId id="263" r:id="rId9"/>
-    <p:sldId id="264" r:id="rId10"/>
-    <p:sldId id="265" r:id="rId11"/>
-    <p:sldId id="266" r:id="rId12"/>
-    <p:sldId id="267" r:id="rId13"/>
+    <p:sldId id="268" r:id="rId5"/>
+    <p:sldId id="261" r:id="rId6"/>
+    <p:sldId id="262" r:id="rId7"/>
+    <p:sldId id="260" r:id="rId8"/>
+    <p:sldId id="259" r:id="rId9"/>
+    <p:sldId id="263" r:id="rId10"/>
+    <p:sldId id="264" r:id="rId11"/>
+    <p:sldId id="265" r:id="rId12"/>
+    <p:sldId id="266" r:id="rId13"/>
+    <p:sldId id="267" r:id="rId14"/>
   </p:sldIdLst>
   <p:sldSz cx="9144000" cy="6858000" type="screen4x3"/>
   <p:notesSz cx="6858000" cy="9144000"/>
@@ -115,13 +116,29 @@
       </a:defRPr>
     </a:lvl9pPr>
   </p:defaultTextStyle>
+  <p:extLst>
+    <p:ext uri="{EFAFB233-063F-42B5-8137-9DF3F51BA10A}">
+      <p15:sldGuideLst xmlns:p15="http://schemas.microsoft.com/office/powerpoint/2012/main">
+        <p15:guide id="1" orient="horz" pos="2160">
+          <p15:clr>
+            <a:srgbClr val="A4A3A4"/>
+          </p15:clr>
+        </p15:guide>
+        <p15:guide id="2" pos="2880">
+          <p15:clr>
+            <a:srgbClr val="A4A3A4"/>
+          </p15:clr>
+        </p15:guide>
+      </p15:sldGuideLst>
+    </p:ext>
+  </p:extLst>
 </p:presentation>
 </file>
 
 <file path=ppt/charts/chart1.xml><?xml version="1.0" encoding="utf-8"?>
 <c:chartSpace xmlns:c="http://schemas.openxmlformats.org/drawingml/2006/chart" xmlns:a="http://schemas.openxmlformats.org/drawingml/2006/main" xmlns:r="http://schemas.openxmlformats.org/officeDocument/2006/relationships">
   <c:date1904 val="0"/>
-  <c:lang val="fr-CA"/>
+  <c:lang val="en-US"/>
   <c:roundedCorners val="0"/>
   <mc:AlternateContent xmlns:mc="http://schemas.openxmlformats.org/markup-compatibility/2006">
     <mc:Choice xmlns:c14="http://schemas.microsoft.com/office/drawing/2007/8/2/chart" Requires="c14">
@@ -319,20 +336,21 @@
           <c:showBubbleSize val="0"/>
         </c:dLbls>
         <c:gapWidth val="150"/>
-        <c:axId val="35754752"/>
-        <c:axId val="35756288"/>
+        <c:axId val="266525592"/>
+        <c:axId val="266526376"/>
       </c:barChart>
       <c:catAx>
-        <c:axId val="35754752"/>
+        <c:axId val="266525592"/>
         <c:scaling>
           <c:orientation val="minMax"/>
         </c:scaling>
         <c:delete val="0"/>
         <c:axPos val="b"/>
+        <c:numFmt formatCode="General" sourceLinked="0"/>
         <c:majorTickMark val="out"/>
         <c:minorTickMark val="none"/>
         <c:tickLblPos val="nextTo"/>
-        <c:crossAx val="35756288"/>
+        <c:crossAx val="266526376"/>
         <c:crosses val="autoZero"/>
         <c:auto val="1"/>
         <c:lblAlgn val="ctr"/>
@@ -340,7 +358,7 @@
         <c:noMultiLvlLbl val="0"/>
       </c:catAx>
       <c:valAx>
-        <c:axId val="35756288"/>
+        <c:axId val="266526376"/>
         <c:scaling>
           <c:orientation val="minMax"/>
         </c:scaling>
@@ -385,7 +403,7 @@
         <c:majorTickMark val="out"/>
         <c:minorTickMark val="none"/>
         <c:tickLblPos val="nextTo"/>
-        <c:crossAx val="35754752"/>
+        <c:crossAx val="266525592"/>
         <c:crosses val="autoZero"/>
         <c:crossBetween val="between"/>
       </c:valAx>
@@ -406,7 +424,7 @@
       <a:pPr>
         <a:defRPr sz="1800"/>
       </a:pPr>
-      <a:endParaRPr lang="fr-FR"/>
+      <a:endParaRPr lang="en-US"/>
     </a:p>
   </c:txPr>
   <c:externalData r:id="rId1">
@@ -418,7 +436,7 @@
 <file path=ppt/charts/chart2.xml><?xml version="1.0" encoding="utf-8"?>
 <c:chartSpace xmlns:c="http://schemas.openxmlformats.org/drawingml/2006/chart" xmlns:a="http://schemas.openxmlformats.org/drawingml/2006/main" xmlns:r="http://schemas.openxmlformats.org/officeDocument/2006/relationships">
   <c:date1904 val="0"/>
-  <c:lang val="fr-CA"/>
+  <c:lang val="en-US"/>
   <c:roundedCorners val="0"/>
   <mc:AlternateContent xmlns:mc="http://schemas.openxmlformats.org/markup-compatibility/2006">
     <mc:Choice xmlns:c14="http://schemas.microsoft.com/office/drawing/2007/8/2/chart" Requires="c14">
@@ -598,11 +616,11 @@
         </c:dLbls>
         <c:marker val="1"/>
         <c:smooth val="0"/>
-        <c:axId val="46674688"/>
-        <c:axId val="46901504"/>
+        <c:axId val="266529904"/>
+        <c:axId val="266527160"/>
       </c:lineChart>
       <c:catAx>
-        <c:axId val="46674688"/>
+        <c:axId val="266529904"/>
         <c:scaling>
           <c:orientation val="minMax"/>
         </c:scaling>
@@ -636,10 +654,11 @@
           <c:layout/>
           <c:overlay val="0"/>
         </c:title>
+        <c:numFmt formatCode="General" sourceLinked="0"/>
         <c:majorTickMark val="out"/>
         <c:minorTickMark val="none"/>
         <c:tickLblPos val="nextTo"/>
-        <c:crossAx val="46901504"/>
+        <c:crossAx val="266527160"/>
         <c:crosses val="autoZero"/>
         <c:auto val="1"/>
         <c:lblAlgn val="ctr"/>
@@ -647,7 +666,7 @@
         <c:noMultiLvlLbl val="0"/>
       </c:catAx>
       <c:valAx>
-        <c:axId val="46901504"/>
+        <c:axId val="266527160"/>
         <c:scaling>
           <c:orientation val="minMax"/>
         </c:scaling>
@@ -682,7 +701,7 @@
         <c:majorTickMark val="out"/>
         <c:minorTickMark val="none"/>
         <c:tickLblPos val="nextTo"/>
-        <c:crossAx val="46674688"/>
+        <c:crossAx val="266529904"/>
         <c:crosses val="autoZero"/>
         <c:crossBetween val="between"/>
       </c:valAx>
@@ -703,7 +722,7 @@
       <a:pPr>
         <a:defRPr sz="1800"/>
       </a:pPr>
-      <a:endParaRPr lang="fr-FR"/>
+      <a:endParaRPr lang="en-US"/>
     </a:p>
   </c:txPr>
   <c:externalData r:id="rId1">
@@ -893,7 +912,7 @@
           <a:p>
             <a:fld id="{AA309A6D-C09C-4548-B29A-6CF363A7E532}" type="datetimeFigureOut">
               <a:rPr lang="fr-FR" smtClean="0"/>
-              <a:t>03/12/2015</a:t>
+              <a:t>04/12/2015</a:t>
             </a:fld>
             <a:endParaRPr lang="fr-BE"/>
           </a:p>
@@ -935,7 +954,7 @@
           <a:p>
             <a:fld id="{CF4668DC-857F-487D-BFFA-8C0CA5037977}" type="slidenum">
               <a:rPr lang="fr-BE" smtClean="0"/>
-              <a:t>‹N°›</a:t>
+              <a:t>‹#›</a:t>
             </a:fld>
             <a:endParaRPr lang="fr-BE"/>
           </a:p>
@@ -1058,7 +1077,7 @@
           <a:p>
             <a:fld id="{AA309A6D-C09C-4548-B29A-6CF363A7E532}" type="datetimeFigureOut">
               <a:rPr lang="fr-FR" smtClean="0"/>
-              <a:t>03/12/2015</a:t>
+              <a:t>04/12/2015</a:t>
             </a:fld>
             <a:endParaRPr lang="fr-BE"/>
           </a:p>
@@ -1100,7 +1119,7 @@
           <a:p>
             <a:fld id="{CF4668DC-857F-487D-BFFA-8C0CA5037977}" type="slidenum">
               <a:rPr lang="fr-BE" smtClean="0"/>
-              <a:t>‹N°›</a:t>
+              <a:t>‹#›</a:t>
             </a:fld>
             <a:endParaRPr lang="fr-BE"/>
           </a:p>
@@ -1233,7 +1252,7 @@
           <a:p>
             <a:fld id="{AA309A6D-C09C-4548-B29A-6CF363A7E532}" type="datetimeFigureOut">
               <a:rPr lang="fr-FR" smtClean="0"/>
-              <a:t>03/12/2015</a:t>
+              <a:t>04/12/2015</a:t>
             </a:fld>
             <a:endParaRPr lang="fr-BE"/>
           </a:p>
@@ -1275,7 +1294,7 @@
           <a:p>
             <a:fld id="{CF4668DC-857F-487D-BFFA-8C0CA5037977}" type="slidenum">
               <a:rPr lang="fr-BE" smtClean="0"/>
-              <a:t>‹N°›</a:t>
+              <a:t>‹#›</a:t>
             </a:fld>
             <a:endParaRPr lang="fr-BE"/>
           </a:p>
@@ -1398,7 +1417,7 @@
           <a:p>
             <a:fld id="{AA309A6D-C09C-4548-B29A-6CF363A7E532}" type="datetimeFigureOut">
               <a:rPr lang="fr-FR" smtClean="0"/>
-              <a:t>03/12/2015</a:t>
+              <a:t>04/12/2015</a:t>
             </a:fld>
             <a:endParaRPr lang="fr-BE"/>
           </a:p>
@@ -1440,7 +1459,7 @@
           <a:p>
             <a:fld id="{CF4668DC-857F-487D-BFFA-8C0CA5037977}" type="slidenum">
               <a:rPr lang="fr-BE" smtClean="0"/>
-              <a:t>‹N°›</a:t>
+              <a:t>‹#›</a:t>
             </a:fld>
             <a:endParaRPr lang="fr-BE"/>
           </a:p>
@@ -1639,7 +1658,7 @@
           <a:p>
             <a:fld id="{AA309A6D-C09C-4548-B29A-6CF363A7E532}" type="datetimeFigureOut">
               <a:rPr lang="fr-FR" smtClean="0"/>
-              <a:t>03/12/2015</a:t>
+              <a:t>04/12/2015</a:t>
             </a:fld>
             <a:endParaRPr lang="fr-BE"/>
           </a:p>
@@ -1681,7 +1700,7 @@
           <a:p>
             <a:fld id="{CF4668DC-857F-487D-BFFA-8C0CA5037977}" type="slidenum">
               <a:rPr lang="fr-BE" smtClean="0"/>
-              <a:t>‹N°›</a:t>
+              <a:t>‹#›</a:t>
             </a:fld>
             <a:endParaRPr lang="fr-BE"/>
           </a:p>
@@ -1922,7 +1941,7 @@
           <a:p>
             <a:fld id="{AA309A6D-C09C-4548-B29A-6CF363A7E532}" type="datetimeFigureOut">
               <a:rPr lang="fr-FR" smtClean="0"/>
-              <a:t>03/12/2015</a:t>
+              <a:t>04/12/2015</a:t>
             </a:fld>
             <a:endParaRPr lang="fr-BE"/>
           </a:p>
@@ -1964,7 +1983,7 @@
           <a:p>
             <a:fld id="{CF4668DC-857F-487D-BFFA-8C0CA5037977}" type="slidenum">
               <a:rPr lang="fr-BE" smtClean="0"/>
-              <a:t>‹N°›</a:t>
+              <a:t>‹#›</a:t>
             </a:fld>
             <a:endParaRPr lang="fr-BE"/>
           </a:p>
@@ -2339,7 +2358,7 @@
           <a:p>
             <a:fld id="{AA309A6D-C09C-4548-B29A-6CF363A7E532}" type="datetimeFigureOut">
               <a:rPr lang="fr-FR" smtClean="0"/>
-              <a:t>03/12/2015</a:t>
+              <a:t>04/12/2015</a:t>
             </a:fld>
             <a:endParaRPr lang="fr-BE"/>
           </a:p>
@@ -2381,7 +2400,7 @@
           <a:p>
             <a:fld id="{CF4668DC-857F-487D-BFFA-8C0CA5037977}" type="slidenum">
               <a:rPr lang="fr-BE" smtClean="0"/>
-              <a:t>‹N°›</a:t>
+              <a:t>‹#›</a:t>
             </a:fld>
             <a:endParaRPr lang="fr-BE"/>
           </a:p>
@@ -2452,7 +2471,7 @@
           <a:p>
             <a:fld id="{AA309A6D-C09C-4548-B29A-6CF363A7E532}" type="datetimeFigureOut">
               <a:rPr lang="fr-FR" smtClean="0"/>
-              <a:t>03/12/2015</a:t>
+              <a:t>04/12/2015</a:t>
             </a:fld>
             <a:endParaRPr lang="fr-BE"/>
           </a:p>
@@ -2494,7 +2513,7 @@
           <a:p>
             <a:fld id="{CF4668DC-857F-487D-BFFA-8C0CA5037977}" type="slidenum">
               <a:rPr lang="fr-BE" smtClean="0"/>
-              <a:t>‹N°›</a:t>
+              <a:t>‹#›</a:t>
             </a:fld>
             <a:endParaRPr lang="fr-BE"/>
           </a:p>
@@ -2542,7 +2561,7 @@
           <a:p>
             <a:fld id="{AA309A6D-C09C-4548-B29A-6CF363A7E532}" type="datetimeFigureOut">
               <a:rPr lang="fr-FR" smtClean="0"/>
-              <a:t>03/12/2015</a:t>
+              <a:t>04/12/2015</a:t>
             </a:fld>
             <a:endParaRPr lang="fr-BE"/>
           </a:p>
@@ -2584,7 +2603,7 @@
           <a:p>
             <a:fld id="{CF4668DC-857F-487D-BFFA-8C0CA5037977}" type="slidenum">
               <a:rPr lang="fr-BE" smtClean="0"/>
-              <a:t>‹N°›</a:t>
+              <a:t>‹#›</a:t>
             </a:fld>
             <a:endParaRPr lang="fr-BE"/>
           </a:p>
@@ -2814,7 +2833,7 @@
           <a:p>
             <a:fld id="{AA309A6D-C09C-4548-B29A-6CF363A7E532}" type="datetimeFigureOut">
               <a:rPr lang="fr-FR" smtClean="0"/>
-              <a:t>03/12/2015</a:t>
+              <a:t>04/12/2015</a:t>
             </a:fld>
             <a:endParaRPr lang="fr-BE"/>
           </a:p>
@@ -2856,7 +2875,7 @@
           <a:p>
             <a:fld id="{CF4668DC-857F-487D-BFFA-8C0CA5037977}" type="slidenum">
               <a:rPr lang="fr-BE" smtClean="0"/>
-              <a:t>‹N°›</a:t>
+              <a:t>‹#›</a:t>
             </a:fld>
             <a:endParaRPr lang="fr-BE"/>
           </a:p>
@@ -3062,7 +3081,7 @@
           <a:p>
             <a:fld id="{AA309A6D-C09C-4548-B29A-6CF363A7E532}" type="datetimeFigureOut">
               <a:rPr lang="fr-FR" smtClean="0"/>
-              <a:t>03/12/2015</a:t>
+              <a:t>04/12/2015</a:t>
             </a:fld>
             <a:endParaRPr lang="fr-BE"/>
           </a:p>
@@ -3104,7 +3123,7 @@
           <a:p>
             <a:fld id="{CF4668DC-857F-487D-BFFA-8C0CA5037977}" type="slidenum">
               <a:rPr lang="fr-BE" smtClean="0"/>
-              <a:t>‹N°›</a:t>
+              <a:t>‹#›</a:t>
             </a:fld>
             <a:endParaRPr lang="fr-BE"/>
           </a:p>
@@ -3270,7 +3289,7 @@
           <a:p>
             <a:fld id="{AA309A6D-C09C-4548-B29A-6CF363A7E532}" type="datetimeFigureOut">
               <a:rPr lang="fr-FR" smtClean="0"/>
-              <a:t>03/12/2015</a:t>
+              <a:t>04/12/2015</a:t>
             </a:fld>
             <a:endParaRPr lang="fr-BE"/>
           </a:p>
@@ -3348,7 +3367,7 @@
           <a:p>
             <a:fld id="{CF4668DC-857F-487D-BFFA-8C0CA5037977}" type="slidenum">
               <a:rPr lang="fr-BE" smtClean="0"/>
-              <a:t>‹N°›</a:t>
+              <a:t>‹#›</a:t>
             </a:fld>
             <a:endParaRPr lang="fr-BE"/>
           </a:p>
@@ -3657,11 +3676,7 @@
           <a:p>
             <a:r>
               <a:rPr lang="fr-CA" dirty="0" smtClean="0"/>
-              <a:t>COMP </a:t>
-            </a:r>
-            <a:r>
-              <a:rPr lang="fr-CA" dirty="0" smtClean="0"/>
-              <a:t>512 – Project final </a:t>
+              <a:t>COMP 512 – Project final </a:t>
             </a:r>
             <a:r>
               <a:rPr lang="fr-CA" dirty="0" err="1" smtClean="0"/>
@@ -3741,191 +3756,108 @@
           <a:p>
             <a:r>
               <a:rPr lang="fr-CA" dirty="0" err="1" smtClean="0"/>
-              <a:t>Testing</a:t>
+              <a:t>Recovery</a:t>
             </a:r>
             <a:endParaRPr lang="fr-CA" dirty="0"/>
           </a:p>
         </p:txBody>
       </p:sp>
-      <p:sp>
-        <p:nvSpPr>
-          <p:cNvPr id="3" name="Espace réservé du contenu 2"/>
-          <p:cNvSpPr>
-            <a:spLocks noGrp="1"/>
-          </p:cNvSpPr>
-          <p:nvPr>
-            <p:ph idx="1"/>
-          </p:nvPr>
-        </p:nvSpPr>
-        <p:spPr/>
-        <p:txBody>
-          <a:bodyPr/>
-          <a:lstStyle/>
-          <a:p>
-            <a:r>
-              <a:rPr lang="fr-CA" dirty="0" err="1" smtClean="0"/>
-              <a:t>Automated</a:t>
-            </a:r>
-            <a:r>
-              <a:rPr lang="fr-CA" dirty="0" smtClean="0"/>
-              <a:t> client: </a:t>
-            </a:r>
-            <a:r>
-              <a:rPr lang="fr-CA" dirty="0" err="1" smtClean="0"/>
-              <a:t>runs</a:t>
-            </a:r>
-            <a:r>
-              <a:rPr lang="fr-CA" dirty="0" smtClean="0"/>
-              <a:t> transactions </a:t>
-            </a:r>
-            <a:r>
-              <a:rPr lang="fr-CA" dirty="0" err="1" smtClean="0"/>
-              <a:t>from</a:t>
-            </a:r>
-            <a:r>
-              <a:rPr lang="fr-CA" dirty="0" smtClean="0"/>
-              <a:t> a </a:t>
-            </a:r>
-            <a:r>
-              <a:rPr lang="fr-CA" dirty="0" err="1" smtClean="0"/>
-              <a:t>specified</a:t>
-            </a:r>
-            <a:r>
-              <a:rPr lang="fr-CA" dirty="0" smtClean="0"/>
-              <a:t> file </a:t>
-            </a:r>
-            <a:r>
-              <a:rPr lang="fr-CA" dirty="0" err="1" smtClean="0"/>
-              <a:t>with</a:t>
-            </a:r>
-            <a:r>
-              <a:rPr lang="fr-CA" dirty="0" smtClean="0"/>
-              <a:t> </a:t>
-            </a:r>
-            <a:r>
-              <a:rPr lang="fr-CA" dirty="0" err="1" smtClean="0"/>
-              <a:t>given</a:t>
-            </a:r>
-            <a:r>
-              <a:rPr lang="fr-CA" dirty="0" smtClean="0"/>
-              <a:t> rate, </a:t>
-            </a:r>
-            <a:r>
-              <a:rPr lang="fr-CA" dirty="0" err="1" smtClean="0"/>
-              <a:t>method</a:t>
-            </a:r>
-            <a:r>
-              <a:rPr lang="fr-CA" dirty="0" smtClean="0"/>
-              <a:t>, </a:t>
-            </a:r>
-            <a:r>
-              <a:rPr lang="fr-CA" dirty="0" err="1" smtClean="0"/>
-              <a:t>amount</a:t>
-            </a:r>
-            <a:endParaRPr lang="fr-CA" dirty="0" smtClean="0"/>
-          </a:p>
-          <a:p>
-            <a:r>
-              <a:rPr lang="fr-CA" dirty="0" smtClean="0"/>
-              <a:t>Performance scenarios:</a:t>
-            </a:r>
-          </a:p>
-          <a:p>
-            <a:pPr lvl="1"/>
-            <a:r>
-              <a:rPr lang="fr-CA" dirty="0" smtClean="0"/>
-              <a:t>One client, one RM</a:t>
-            </a:r>
-          </a:p>
-          <a:p>
-            <a:pPr lvl="1"/>
-            <a:r>
-              <a:rPr lang="fr-CA" dirty="0" smtClean="0"/>
-              <a:t>One client, multiple </a:t>
-            </a:r>
-            <a:r>
-              <a:rPr lang="fr-CA" dirty="0" err="1" smtClean="0"/>
-              <a:t>RMs</a:t>
-            </a:r>
-            <a:endParaRPr lang="fr-CA" dirty="0" smtClean="0"/>
-          </a:p>
-          <a:p>
-            <a:pPr lvl="1"/>
-            <a:r>
-              <a:rPr lang="fr-CA" dirty="0" smtClean="0"/>
-              <a:t>Multiple clients</a:t>
-            </a:r>
-          </a:p>
-          <a:p>
-            <a:pPr lvl="1"/>
-            <a:r>
-              <a:rPr lang="fr-CA" dirty="0" smtClean="0"/>
-              <a:t>Local, over LAN</a:t>
-            </a:r>
-          </a:p>
-        </p:txBody>
-      </p:sp>
-      <p:sp>
-        <p:nvSpPr>
-          <p:cNvPr id="4" name="Rectangle 3"/>
-          <p:cNvSpPr/>
+      <p:pic>
+        <p:nvPicPr>
+          <p:cNvPr id="3074" name="Picture 2"/>
+          <p:cNvPicPr>
+            <a:picLocks noChangeAspect="1" noChangeArrowheads="1"/>
+          </p:cNvPicPr>
           <p:nvPr/>
-        </p:nvSpPr>
-        <p:spPr>
+        </p:nvPicPr>
+        <p:blipFill>
+          <a:blip r:embed="rId2">
+            <a:extLst>
+              <a:ext uri="{28A0092B-C50C-407E-A947-70E740481C1C}">
+                <a14:useLocalDpi xmlns:a14="http://schemas.microsoft.com/office/drawing/2010/main" val="0"/>
+              </a:ext>
+            </a:extLst>
+          </a:blip>
+          <a:srcRect/>
+          <a:stretch>
+            <a:fillRect/>
+          </a:stretch>
+        </p:blipFill>
+        <p:spPr bwMode="auto">
           <a:xfrm>
-            <a:off x="6300192" y="2996952"/>
-            <a:ext cx="2502024" cy="1477328"/>
+            <a:off x="467544" y="2348880"/>
+            <a:ext cx="8629650" cy="2905125"/>
           </a:xfrm>
           <a:prstGeom prst="rect">
             <a:avLst/>
           </a:prstGeom>
+          <a:noFill/>
+          <a:ln>
+            <a:noFill/>
+          </a:ln>
+          <a:extLst>
+            <a:ext uri="{909E8E84-426E-40DD-AFC4-6F175D3DCCD1}">
+              <a14:hiddenFill xmlns:a14="http://schemas.microsoft.com/office/drawing/2010/main">
+                <a:solidFill>
+                  <a:schemeClr val="accent1"/>
+                </a:solidFill>
+              </a14:hiddenFill>
+            </a:ext>
+            <a:ext uri="{91240B29-F687-4F45-9708-019B960494DF}">
+              <a14:hiddenLine xmlns:a14="http://schemas.microsoft.com/office/drawing/2010/main" w="9525">
+                <a:solidFill>
+                  <a:schemeClr val="tx1"/>
+                </a:solidFill>
+                <a:miter lim="800000"/>
+                <a:headEnd/>
+                <a:tailEnd/>
+              </a14:hiddenLine>
+            </a:ext>
+          </a:extLst>
         </p:spPr>
-        <p:txBody>
-          <a:bodyPr wrap="square">
+      </p:pic>
+      <p:sp>
+        <p:nvSpPr>
+          <p:cNvPr id="5" name="ZoneTexte 4"/>
+          <p:cNvSpPr txBox="1"/>
+          <p:nvPr/>
+        </p:nvSpPr>
+        <p:spPr>
+          <a:xfrm>
+            <a:off x="467544" y="1426243"/>
+            <a:ext cx="1750800" cy="400110"/>
+          </a:xfrm>
+          <a:prstGeom prst="rect">
+            <a:avLst/>
+          </a:prstGeom>
+          <a:noFill/>
+        </p:spPr>
+        <p:txBody>
+          <a:bodyPr wrap="none" rtlCol="0">
             <a:spAutoFit/>
           </a:bodyPr>
           <a:lstStyle/>
           <a:p>
             <a:r>
-              <a:rPr lang="en-CA" dirty="0"/>
-              <a:t>%1,start</a:t>
-            </a:r>
-            <a:endParaRPr lang="fr-CA" dirty="0"/>
-          </a:p>
-          <a:p>
-            <a:r>
-              <a:rPr lang="en-CA" dirty="0"/>
-              <a:t>%2,queryflight,%1,767</a:t>
-            </a:r>
-            <a:endParaRPr lang="fr-CA" dirty="0"/>
-          </a:p>
-          <a:p>
-            <a:r>
-              <a:rPr lang="en-CA" dirty="0"/>
-              <a:t>abort,%1,%2,==,0</a:t>
-            </a:r>
-            <a:endParaRPr lang="fr-CA" dirty="0"/>
-          </a:p>
-          <a:p>
-            <a:r>
-              <a:rPr lang="en-CA" dirty="0"/>
-              <a:t>reserveflight,%1,1,767</a:t>
-            </a:r>
-            <a:endParaRPr lang="fr-CA" dirty="0"/>
-          </a:p>
-          <a:p>
-            <a:r>
-              <a:rPr lang="en-CA" dirty="0"/>
-              <a:t>commit,%1</a:t>
-            </a:r>
-            <a:endParaRPr lang="fr-CA" dirty="0"/>
+              <a:rPr lang="fr-CA" sz="2000" dirty="0" smtClean="0"/>
+              <a:t>Cases </a:t>
+            </a:r>
+            <a:r>
+              <a:rPr lang="fr-CA" sz="2000" dirty="0" err="1" smtClean="0"/>
+              <a:t>handled</a:t>
+            </a:r>
+            <a:r>
+              <a:rPr lang="fr-CA" sz="2000" dirty="0" smtClean="0"/>
+              <a:t>:</a:t>
+            </a:r>
+            <a:endParaRPr lang="fr-CA" sz="2000" dirty="0"/>
           </a:p>
         </p:txBody>
       </p:sp>
     </p:spTree>
     <p:extLst>
       <p:ext uri="{BB962C8B-B14F-4D97-AF65-F5344CB8AC3E}">
-        <p14:creationId xmlns:p14="http://schemas.microsoft.com/office/powerpoint/2010/main" val="2261577520"/>
+        <p14:creationId xmlns:p14="http://schemas.microsoft.com/office/powerpoint/2010/main" val="68773386"/>
       </p:ext>
     </p:extLst>
   </p:cSld>
@@ -3968,6 +3900,234 @@
           <a:lstStyle/>
           <a:p>
             <a:r>
+              <a:rPr lang="fr-CA" dirty="0" err="1" smtClean="0"/>
+              <a:t>Testing</a:t>
+            </a:r>
+            <a:endParaRPr lang="fr-CA" dirty="0"/>
+          </a:p>
+        </p:txBody>
+      </p:sp>
+      <p:sp>
+        <p:nvSpPr>
+          <p:cNvPr id="3" name="Espace réservé du contenu 2"/>
+          <p:cNvSpPr>
+            <a:spLocks noGrp="1"/>
+          </p:cNvSpPr>
+          <p:nvPr>
+            <p:ph idx="1"/>
+          </p:nvPr>
+        </p:nvSpPr>
+        <p:spPr/>
+        <p:txBody>
+          <a:bodyPr/>
+          <a:lstStyle/>
+          <a:p>
+            <a:r>
+              <a:rPr lang="fr-CA" dirty="0" err="1" smtClean="0"/>
+              <a:t>Automated</a:t>
+            </a:r>
+            <a:r>
+              <a:rPr lang="fr-CA" dirty="0" smtClean="0"/>
+              <a:t> client: </a:t>
+            </a:r>
+            <a:r>
+              <a:rPr lang="fr-CA" dirty="0" err="1" smtClean="0"/>
+              <a:t>runs</a:t>
+            </a:r>
+            <a:r>
+              <a:rPr lang="fr-CA" dirty="0" smtClean="0"/>
+              <a:t> transactions </a:t>
+            </a:r>
+            <a:r>
+              <a:rPr lang="fr-CA" dirty="0" err="1" smtClean="0"/>
+              <a:t>from</a:t>
+            </a:r>
+            <a:r>
+              <a:rPr lang="fr-CA" dirty="0" smtClean="0"/>
+              <a:t> a </a:t>
+            </a:r>
+            <a:r>
+              <a:rPr lang="fr-CA" dirty="0" err="1" smtClean="0"/>
+              <a:t>specified</a:t>
+            </a:r>
+            <a:r>
+              <a:rPr lang="fr-CA" dirty="0" smtClean="0"/>
+              <a:t> file </a:t>
+            </a:r>
+            <a:r>
+              <a:rPr lang="fr-CA" dirty="0" err="1" smtClean="0"/>
+              <a:t>with</a:t>
+            </a:r>
+            <a:r>
+              <a:rPr lang="fr-CA" dirty="0" smtClean="0"/>
+              <a:t> </a:t>
+            </a:r>
+            <a:r>
+              <a:rPr lang="fr-CA" dirty="0" err="1" smtClean="0"/>
+              <a:t>given</a:t>
+            </a:r>
+            <a:r>
+              <a:rPr lang="fr-CA" dirty="0" smtClean="0"/>
+              <a:t> rate, </a:t>
+            </a:r>
+            <a:r>
+              <a:rPr lang="fr-CA" dirty="0" err="1" smtClean="0"/>
+              <a:t>method</a:t>
+            </a:r>
+            <a:r>
+              <a:rPr lang="fr-CA" dirty="0" smtClean="0"/>
+              <a:t>, </a:t>
+            </a:r>
+            <a:r>
+              <a:rPr lang="fr-CA" dirty="0" err="1" smtClean="0"/>
+              <a:t>amount</a:t>
+            </a:r>
+            <a:endParaRPr lang="fr-CA" dirty="0" smtClean="0"/>
+          </a:p>
+          <a:p>
+            <a:r>
+              <a:rPr lang="fr-CA" dirty="0" smtClean="0"/>
+              <a:t>Performance scenarios:</a:t>
+            </a:r>
+          </a:p>
+          <a:p>
+            <a:pPr lvl="1"/>
+            <a:r>
+              <a:rPr lang="fr-CA" dirty="0" smtClean="0"/>
+              <a:t>One client, one RM</a:t>
+            </a:r>
+          </a:p>
+          <a:p>
+            <a:pPr lvl="1"/>
+            <a:r>
+              <a:rPr lang="fr-CA" dirty="0" smtClean="0"/>
+              <a:t>One client, multiple </a:t>
+            </a:r>
+            <a:r>
+              <a:rPr lang="fr-CA" dirty="0" err="1" smtClean="0"/>
+              <a:t>RMs</a:t>
+            </a:r>
+            <a:endParaRPr lang="fr-CA" dirty="0" smtClean="0"/>
+          </a:p>
+          <a:p>
+            <a:pPr lvl="1"/>
+            <a:r>
+              <a:rPr lang="fr-CA" dirty="0" smtClean="0"/>
+              <a:t>Multiple clients</a:t>
+            </a:r>
+          </a:p>
+          <a:p>
+            <a:pPr lvl="1"/>
+            <a:r>
+              <a:rPr lang="fr-CA" dirty="0" smtClean="0"/>
+              <a:t>Local, over LAN</a:t>
+            </a:r>
+          </a:p>
+        </p:txBody>
+      </p:sp>
+      <p:sp>
+        <p:nvSpPr>
+          <p:cNvPr id="4" name="Rectangle 3"/>
+          <p:cNvSpPr/>
+          <p:nvPr/>
+        </p:nvSpPr>
+        <p:spPr>
+          <a:xfrm>
+            <a:off x="6300192" y="2996952"/>
+            <a:ext cx="2502024" cy="1477328"/>
+          </a:xfrm>
+          <a:prstGeom prst="rect">
+            <a:avLst/>
+          </a:prstGeom>
+        </p:spPr>
+        <p:txBody>
+          <a:bodyPr wrap="square">
+            <a:spAutoFit/>
+          </a:bodyPr>
+          <a:lstStyle/>
+          <a:p>
+            <a:r>
+              <a:rPr lang="en-CA" dirty="0"/>
+              <a:t>%1,start</a:t>
+            </a:r>
+            <a:endParaRPr lang="fr-CA" dirty="0"/>
+          </a:p>
+          <a:p>
+            <a:r>
+              <a:rPr lang="en-CA" dirty="0"/>
+              <a:t>%2,queryflight,%1,767</a:t>
+            </a:r>
+            <a:endParaRPr lang="fr-CA" dirty="0"/>
+          </a:p>
+          <a:p>
+            <a:r>
+              <a:rPr lang="en-CA" dirty="0"/>
+              <a:t>abort,%1,%2,==,0</a:t>
+            </a:r>
+            <a:endParaRPr lang="fr-CA" dirty="0"/>
+          </a:p>
+          <a:p>
+            <a:r>
+              <a:rPr lang="en-CA" dirty="0"/>
+              <a:t>reserveflight,%1,1,767</a:t>
+            </a:r>
+            <a:endParaRPr lang="fr-CA" dirty="0"/>
+          </a:p>
+          <a:p>
+            <a:r>
+              <a:rPr lang="en-CA" dirty="0"/>
+              <a:t>commit,%1</a:t>
+            </a:r>
+            <a:endParaRPr lang="fr-CA" dirty="0"/>
+          </a:p>
+        </p:txBody>
+      </p:sp>
+    </p:spTree>
+    <p:extLst>
+      <p:ext uri="{BB962C8B-B14F-4D97-AF65-F5344CB8AC3E}">
+        <p14:creationId xmlns:p14="http://schemas.microsoft.com/office/powerpoint/2010/main" val="2261577520"/>
+      </p:ext>
+    </p:extLst>
+  </p:cSld>
+  <p:clrMapOvr>
+    <a:masterClrMapping/>
+  </p:clrMapOvr>
+</p:sld>
+</file>
+
+<file path=ppt/slides/slide12.xml><?xml version="1.0" encoding="utf-8"?>
+<p:sld xmlns:a="http://schemas.openxmlformats.org/drawingml/2006/main" xmlns:r="http://schemas.openxmlformats.org/officeDocument/2006/relationships" xmlns:p="http://schemas.openxmlformats.org/presentationml/2006/main">
+  <p:cSld>
+    <p:spTree>
+      <p:nvGrpSpPr>
+        <p:cNvPr id="1" name=""/>
+        <p:cNvGrpSpPr/>
+        <p:nvPr/>
+      </p:nvGrpSpPr>
+      <p:grpSpPr>
+        <a:xfrm>
+          <a:off x="0" y="0"/>
+          <a:ext cx="0" cy="0"/>
+          <a:chOff x="0" y="0"/>
+          <a:chExt cx="0" cy="0"/>
+        </a:xfrm>
+      </p:grpSpPr>
+      <p:sp>
+        <p:nvSpPr>
+          <p:cNvPr id="2" name="Titre 1"/>
+          <p:cNvSpPr>
+            <a:spLocks noGrp="1"/>
+          </p:cNvSpPr>
+          <p:nvPr>
+            <p:ph type="title"/>
+          </p:nvPr>
+        </p:nvSpPr>
+        <p:spPr/>
+        <p:txBody>
+          <a:bodyPr/>
+          <a:lstStyle/>
+          <a:p>
+            <a:r>
               <a:rPr lang="fr-CA" dirty="0" smtClean="0"/>
               <a:t>Performance figures: one client</a:t>
             </a:r>
@@ -4065,7 +4225,7 @@
 </p:sld>
 </file>
 
-<file path=ppt/slides/slide12.xml><?xml version="1.0" encoding="utf-8"?>
+<file path=ppt/slides/slide13.xml><?xml version="1.0" encoding="utf-8"?>
 <p:sld xmlns:a="http://schemas.openxmlformats.org/drawingml/2006/main" xmlns:r="http://schemas.openxmlformats.org/officeDocument/2006/relationships" xmlns:p="http://schemas.openxmlformats.org/presentationml/2006/main">
   <p:cSld>
     <p:spTree>
@@ -4270,7 +4430,7 @@
           <a:graphicData uri="http://schemas.openxmlformats.org/presentationml/2006/ole">
             <mc:AlternateContent xmlns:mc="http://schemas.openxmlformats.org/markup-compatibility/2006">
               <mc:Choice xmlns:v="urn:schemas-microsoft-com:vml" Requires="v">
-                <p:oleObj spid="_x0000_s1057" name="Visio" r:id="rId3" imgW="4340379" imgH="2245847" progId="Visio.Drawing.11">
+                <p:oleObj spid="_x0000_s1059" name="Visio" r:id="rId3" imgW="4340379" imgH="2245847" progId="Visio.Drawing.11">
                   <p:embed/>
                 </p:oleObj>
               </mc:Choice>
@@ -4448,7 +4608,7 @@
       </p:grpSpPr>
       <p:sp>
         <p:nvSpPr>
-          <p:cNvPr id="2" name="Titre 1"/>
+          <p:cNvPr id="2" name="Title 1"/>
           <p:cNvSpPr>
             <a:spLocks noGrp="1"/>
           </p:cNvSpPr>
@@ -4462,16 +4622,16 @@
           <a:lstStyle/>
           <a:p>
             <a:r>
-              <a:rPr lang="fr-CA" dirty="0" smtClean="0"/>
-              <a:t>Transaction manager</a:t>
-            </a:r>
-            <a:endParaRPr lang="fr-CA" dirty="0"/>
-          </a:p>
-        </p:txBody>
-      </p:sp>
-      <p:sp>
-        <p:nvSpPr>
-          <p:cNvPr id="3" name="Espace réservé du contenu 2"/>
+              <a:rPr lang="en-CA" dirty="0" smtClean="0"/>
+              <a:t>Middleware</a:t>
+            </a:r>
+            <a:endParaRPr lang="en-CA" dirty="0"/>
+          </a:p>
+        </p:txBody>
+      </p:sp>
+      <p:sp>
+        <p:nvSpPr>
+          <p:cNvPr id="3" name="Content Placeholder 2"/>
           <p:cNvSpPr>
             <a:spLocks noGrp="1"/>
           </p:cNvSpPr>
@@ -4485,116 +4645,50 @@
           <a:lstStyle/>
           <a:p>
             <a:r>
-              <a:rPr lang="fr-CA" dirty="0" smtClean="0"/>
-              <a:t>Instance variable at the RM</a:t>
-            </a:r>
-          </a:p>
-          <a:p>
-            <a:r>
-              <a:rPr lang="fr-CA" dirty="0" err="1" smtClean="0"/>
-              <a:t>Allocates</a:t>
-            </a:r>
-            <a:r>
-              <a:rPr lang="fr-CA" dirty="0" smtClean="0"/>
-              <a:t> new transaction </a:t>
-            </a:r>
-            <a:r>
-              <a:rPr lang="fr-CA" dirty="0" err="1" smtClean="0"/>
-              <a:t>IDs</a:t>
-            </a:r>
-            <a:endParaRPr lang="fr-CA" dirty="0" smtClean="0"/>
-          </a:p>
-          <a:p>
-            <a:r>
-              <a:rPr lang="fr-CA" dirty="0" smtClean="0"/>
-              <a:t>Manages:</a:t>
+              <a:rPr lang="en-CA" dirty="0" smtClean="0"/>
+              <a:t>Routes messages between RMs and clients</a:t>
+            </a:r>
+          </a:p>
+          <a:p>
+            <a:r>
+              <a:rPr lang="en-CA" dirty="0" smtClean="0"/>
+              <a:t>Pools of proxies (1 per RM)</a:t>
             </a:r>
           </a:p>
           <a:p>
             <a:pPr lvl="1"/>
             <a:r>
-              <a:rPr lang="fr-CA" dirty="0" smtClean="0"/>
-              <a:t>Transaction </a:t>
-            </a:r>
-            <a:r>
-              <a:rPr lang="fr-CA" dirty="0" err="1" smtClean="0"/>
-              <a:t>results</a:t>
-            </a:r>
-            <a:endParaRPr lang="fr-CA" dirty="0" smtClean="0"/>
+              <a:rPr lang="en-CA" dirty="0" smtClean="0"/>
+              <a:t>Queue of available proxies</a:t>
+            </a:r>
           </a:p>
           <a:p>
             <a:pPr lvl="1"/>
             <a:r>
-              <a:rPr lang="fr-CA" dirty="0" smtClean="0"/>
-              <a:t>Participants</a:t>
+              <a:rPr lang="en-CA" dirty="0" smtClean="0"/>
+              <a:t>Semaphore to make threads wait</a:t>
             </a:r>
           </a:p>
           <a:p>
             <a:pPr lvl="1"/>
             <a:r>
-              <a:rPr lang="fr-CA" dirty="0" smtClean="0"/>
-              <a:t>Times-to-live</a:t>
-            </a:r>
-          </a:p>
-          <a:p>
-            <a:pPr lvl="1"/>
-            <a:r>
-              <a:rPr lang="fr-CA" dirty="0" err="1" smtClean="0"/>
-              <a:t>Heartbeats</a:t>
-            </a:r>
-            <a:r>
-              <a:rPr lang="fr-CA" dirty="0" smtClean="0"/>
-              <a:t> (</a:t>
-            </a:r>
-            <a:r>
-              <a:rPr lang="fr-CA" dirty="0" err="1" smtClean="0"/>
-              <a:t>with</a:t>
-            </a:r>
-            <a:r>
-              <a:rPr lang="fr-CA" dirty="0" smtClean="0"/>
-              <a:t> the </a:t>
-            </a:r>
-            <a:r>
-              <a:rPr lang="fr-CA" dirty="0" err="1" smtClean="0"/>
-              <a:t>handler</a:t>
-            </a:r>
-            <a:r>
-              <a:rPr lang="fr-CA" dirty="0" smtClean="0"/>
-              <a:t>)</a:t>
-            </a:r>
-          </a:p>
-          <a:p>
-            <a:endParaRPr lang="fr-CA" dirty="0"/>
-          </a:p>
-          <a:p>
-            <a:pPr lvl="1"/>
-            <a:endParaRPr lang="fr-CA" dirty="0" smtClean="0"/>
-          </a:p>
-          <a:p>
-            <a:pPr lvl="1"/>
-            <a:endParaRPr lang="fr-CA" dirty="0"/>
-          </a:p>
-          <a:p>
-            <a:pPr lvl="1"/>
-            <a:endParaRPr lang="fr-CA" dirty="0" smtClean="0"/>
-          </a:p>
-          <a:p>
-            <a:pPr lvl="1"/>
-            <a:endParaRPr lang="fr-CA" dirty="0" smtClean="0"/>
-          </a:p>
-          <a:p>
-            <a:pPr lvl="1"/>
-            <a:endParaRPr lang="fr-CA" dirty="0" smtClean="0"/>
-          </a:p>
-          <a:p>
-            <a:endParaRPr lang="fr-CA" dirty="0" smtClean="0"/>
+              <a:rPr lang="en-CA" dirty="0" smtClean="0"/>
+              <a:t>Allows fine-grained management of proxies</a:t>
+            </a:r>
+          </a:p>
+          <a:p>
+            <a:r>
+              <a:rPr lang="en-CA" dirty="0" smtClean="0"/>
+              <a:t>Contains Transaction Manager / Lock Manager</a:t>
+            </a:r>
+            <a:endParaRPr lang="en-CA" dirty="0"/>
           </a:p>
         </p:txBody>
       </p:sp>
     </p:spTree>
     <p:extLst>
       <p:ext uri="{BB962C8B-B14F-4D97-AF65-F5344CB8AC3E}">
-        <p14:creationId xmlns:p14="http://schemas.microsoft.com/office/powerpoint/2010/main" val="298878524"/>
+        <p14:creationId xmlns:p14="http://schemas.microsoft.com/office/powerpoint/2010/main" val="3274091110"/>
       </p:ext>
     </p:extLst>
   </p:cSld>
@@ -4638,6 +4732,181 @@
           <a:p>
             <a:r>
               <a:rPr lang="fr-CA" dirty="0" smtClean="0"/>
+              <a:t>Transaction manager</a:t>
+            </a:r>
+            <a:endParaRPr lang="fr-CA" dirty="0"/>
+          </a:p>
+        </p:txBody>
+      </p:sp>
+      <p:sp>
+        <p:nvSpPr>
+          <p:cNvPr id="3" name="Espace réservé du contenu 2"/>
+          <p:cNvSpPr>
+            <a:spLocks noGrp="1"/>
+          </p:cNvSpPr>
+          <p:nvPr>
+            <p:ph idx="1"/>
+          </p:nvPr>
+        </p:nvSpPr>
+        <p:spPr/>
+        <p:txBody>
+          <a:bodyPr/>
+          <a:lstStyle/>
+          <a:p>
+            <a:r>
+              <a:rPr lang="fr-CA" dirty="0" smtClean="0"/>
+              <a:t>Instance variable at the RM</a:t>
+            </a:r>
+          </a:p>
+          <a:p>
+            <a:r>
+              <a:rPr lang="fr-CA" dirty="0" err="1" smtClean="0"/>
+              <a:t>Allocates</a:t>
+            </a:r>
+            <a:r>
+              <a:rPr lang="fr-CA" dirty="0" smtClean="0"/>
+              <a:t> new transaction </a:t>
+            </a:r>
+            <a:r>
+              <a:rPr lang="fr-CA" dirty="0" err="1" smtClean="0"/>
+              <a:t>IDs</a:t>
+            </a:r>
+            <a:endParaRPr lang="fr-CA" dirty="0" smtClean="0"/>
+          </a:p>
+          <a:p>
+            <a:r>
+              <a:rPr lang="fr-CA" dirty="0" smtClean="0"/>
+              <a:t>Manages:</a:t>
+            </a:r>
+          </a:p>
+          <a:p>
+            <a:pPr lvl="1"/>
+            <a:r>
+              <a:rPr lang="fr-CA" dirty="0" smtClean="0"/>
+              <a:t>Transaction </a:t>
+            </a:r>
+            <a:r>
+              <a:rPr lang="fr-CA" dirty="0" err="1" smtClean="0"/>
+              <a:t>results</a:t>
+            </a:r>
+            <a:endParaRPr lang="fr-CA" dirty="0" smtClean="0"/>
+          </a:p>
+          <a:p>
+            <a:pPr lvl="1"/>
+            <a:r>
+              <a:rPr lang="fr-CA" dirty="0" smtClean="0"/>
+              <a:t>Participants</a:t>
+            </a:r>
+          </a:p>
+          <a:p>
+            <a:pPr lvl="1"/>
+            <a:r>
+              <a:rPr lang="fr-CA" dirty="0" smtClean="0"/>
+              <a:t>Times-to-live</a:t>
+            </a:r>
+          </a:p>
+          <a:p>
+            <a:pPr lvl="1"/>
+            <a:r>
+              <a:rPr lang="fr-CA" dirty="0" err="1" smtClean="0"/>
+              <a:t>Heartbeats</a:t>
+            </a:r>
+            <a:r>
+              <a:rPr lang="fr-CA" dirty="0" smtClean="0"/>
+              <a:t> (</a:t>
+            </a:r>
+            <a:r>
+              <a:rPr lang="fr-CA" dirty="0" err="1" smtClean="0"/>
+              <a:t>with</a:t>
+            </a:r>
+            <a:r>
+              <a:rPr lang="fr-CA" dirty="0" smtClean="0"/>
+              <a:t> the </a:t>
+            </a:r>
+            <a:r>
+              <a:rPr lang="fr-CA" dirty="0" err="1" smtClean="0"/>
+              <a:t>handler</a:t>
+            </a:r>
+            <a:r>
+              <a:rPr lang="fr-CA" dirty="0" smtClean="0"/>
+              <a:t>)</a:t>
+            </a:r>
+          </a:p>
+          <a:p>
+            <a:endParaRPr lang="fr-CA" dirty="0"/>
+          </a:p>
+          <a:p>
+            <a:pPr lvl="1"/>
+            <a:endParaRPr lang="fr-CA" dirty="0" smtClean="0"/>
+          </a:p>
+          <a:p>
+            <a:pPr lvl="1"/>
+            <a:endParaRPr lang="fr-CA" dirty="0"/>
+          </a:p>
+          <a:p>
+            <a:pPr lvl="1"/>
+            <a:endParaRPr lang="fr-CA" dirty="0" smtClean="0"/>
+          </a:p>
+          <a:p>
+            <a:pPr lvl="1"/>
+            <a:endParaRPr lang="fr-CA" dirty="0" smtClean="0"/>
+          </a:p>
+          <a:p>
+            <a:pPr lvl="1"/>
+            <a:endParaRPr lang="fr-CA" dirty="0" smtClean="0"/>
+          </a:p>
+          <a:p>
+            <a:endParaRPr lang="fr-CA" dirty="0" smtClean="0"/>
+          </a:p>
+        </p:txBody>
+      </p:sp>
+    </p:spTree>
+    <p:extLst>
+      <p:ext uri="{BB962C8B-B14F-4D97-AF65-F5344CB8AC3E}">
+        <p14:creationId xmlns:p14="http://schemas.microsoft.com/office/powerpoint/2010/main" val="298878524"/>
+      </p:ext>
+    </p:extLst>
+  </p:cSld>
+  <p:clrMapOvr>
+    <a:masterClrMapping/>
+  </p:clrMapOvr>
+</p:sld>
+</file>
+
+<file path=ppt/slides/slide6.xml><?xml version="1.0" encoding="utf-8"?>
+<p:sld xmlns:a="http://schemas.openxmlformats.org/drawingml/2006/main" xmlns:r="http://schemas.openxmlformats.org/officeDocument/2006/relationships" xmlns:p="http://schemas.openxmlformats.org/presentationml/2006/main">
+  <p:cSld>
+    <p:spTree>
+      <p:nvGrpSpPr>
+        <p:cNvPr id="1" name=""/>
+        <p:cNvGrpSpPr/>
+        <p:nvPr/>
+      </p:nvGrpSpPr>
+      <p:grpSpPr>
+        <a:xfrm>
+          <a:off x="0" y="0"/>
+          <a:ext cx="0" cy="0"/>
+          <a:chOff x="0" y="0"/>
+          <a:chExt cx="0" cy="0"/>
+        </a:xfrm>
+      </p:grpSpPr>
+      <p:sp>
+        <p:nvSpPr>
+          <p:cNvPr id="2" name="Titre 1"/>
+          <p:cNvSpPr>
+            <a:spLocks noGrp="1"/>
+          </p:cNvSpPr>
+          <p:nvPr>
+            <p:ph type="title"/>
+          </p:nvPr>
+        </p:nvSpPr>
+        <p:spPr/>
+        <p:txBody>
+          <a:bodyPr/>
+          <a:lstStyle/>
+          <a:p>
+            <a:r>
+              <a:rPr lang="fr-CA" dirty="0" smtClean="0"/>
               <a:t>Lock manager</a:t>
             </a:r>
             <a:endParaRPr lang="fr-CA" dirty="0"/>
@@ -4711,7 +4980,15 @@
             </a:r>
             <a:r>
               <a:rPr lang="fr-CA" dirty="0" smtClean="0"/>
-              <a:t> transaction holding an S-lock ends:</a:t>
+              <a:t> transaction holding an </a:t>
+            </a:r>
+            <a:r>
+              <a:rPr lang="fr-CA" dirty="0" smtClean="0"/>
+              <a:t>R-lock </a:t>
+            </a:r>
+            <a:r>
+              <a:rPr lang="fr-CA" dirty="0" smtClean="0"/>
+              <a:t>ends:</a:t>
             </a:r>
             <a:endParaRPr lang="fr-CA" dirty="0"/>
           </a:p>
@@ -4924,7 +5201,7 @@
 </p:sld>
 </file>
 
-<file path=ppt/slides/slide6.xml><?xml version="1.0" encoding="utf-8"?>
+<file path=ppt/slides/slide7.xml><?xml version="1.0" encoding="utf-8"?>
 <p:sld xmlns:a="http://schemas.openxmlformats.org/drawingml/2006/main" xmlns:r="http://schemas.openxmlformats.org/officeDocument/2006/relationships" xmlns:p="http://schemas.openxmlformats.org/presentationml/2006/main">
   <p:cSld>
     <p:spTree>
@@ -5083,7 +5360,7 @@
 </p:sld>
 </file>
 
-<file path=ppt/slides/slide7.xml><?xml version="1.0" encoding="utf-8"?>
+<file path=ppt/slides/slide8.xml><?xml version="1.0" encoding="utf-8"?>
 <p:sld xmlns:a="http://schemas.openxmlformats.org/drawingml/2006/main" xmlns:r="http://schemas.openxmlformats.org/officeDocument/2006/relationships" xmlns:p="http://schemas.openxmlformats.org/presentationml/2006/main">
   <p:cSld>
     <p:spTree>
@@ -5228,197 +5505,6 @@
 </p:sld>
 </file>
 
-<file path=ppt/slides/slide8.xml><?xml version="1.0" encoding="utf-8"?>
-<p:sld xmlns:a="http://schemas.openxmlformats.org/drawingml/2006/main" xmlns:r="http://schemas.openxmlformats.org/officeDocument/2006/relationships" xmlns:p="http://schemas.openxmlformats.org/presentationml/2006/main">
-  <p:cSld>
-    <p:spTree>
-      <p:nvGrpSpPr>
-        <p:cNvPr id="1" name=""/>
-        <p:cNvGrpSpPr/>
-        <p:nvPr/>
-      </p:nvGrpSpPr>
-      <p:grpSpPr>
-        <a:xfrm>
-          <a:off x="0" y="0"/>
-          <a:ext cx="0" cy="0"/>
-          <a:chOff x="0" y="0"/>
-          <a:chExt cx="0" cy="0"/>
-        </a:xfrm>
-      </p:grpSpPr>
-      <p:sp>
-        <p:nvSpPr>
-          <p:cNvPr id="2" name="Titre 1"/>
-          <p:cNvSpPr>
-            <a:spLocks noGrp="1"/>
-          </p:cNvSpPr>
-          <p:nvPr>
-            <p:ph type="title"/>
-          </p:nvPr>
-        </p:nvSpPr>
-        <p:spPr/>
-        <p:txBody>
-          <a:bodyPr/>
-          <a:lstStyle/>
-          <a:p>
-            <a:r>
-              <a:rPr lang="fr-CA" dirty="0" smtClean="0"/>
-              <a:t>2PC</a:t>
-            </a:r>
-            <a:endParaRPr lang="fr-CA" dirty="0"/>
-          </a:p>
-        </p:txBody>
-      </p:sp>
-      <p:sp>
-        <p:nvSpPr>
-          <p:cNvPr id="3" name="Espace réservé du contenu 2"/>
-          <p:cNvSpPr>
-            <a:spLocks noGrp="1"/>
-          </p:cNvSpPr>
-          <p:nvPr>
-            <p:ph idx="1"/>
-          </p:nvPr>
-        </p:nvSpPr>
-        <p:spPr/>
-        <p:txBody>
-          <a:bodyPr/>
-          <a:lstStyle/>
-          <a:p>
-            <a:r>
-              <a:rPr lang="fr-CA" dirty="0" smtClean="0"/>
-              <a:t>MW </a:t>
-            </a:r>
-            <a:r>
-              <a:rPr lang="fr-CA" dirty="0" err="1" smtClean="0"/>
-              <a:t>asks</a:t>
-            </a:r>
-            <a:r>
-              <a:rPr lang="fr-CA" dirty="0" smtClean="0"/>
-              <a:t> </a:t>
-            </a:r>
-            <a:r>
-              <a:rPr lang="fr-CA" dirty="0" err="1" smtClean="0"/>
-              <a:t>RMs</a:t>
-            </a:r>
-            <a:r>
-              <a:rPr lang="fr-CA" dirty="0" smtClean="0"/>
-              <a:t> to </a:t>
-            </a:r>
-            <a:r>
-              <a:rPr lang="fr-CA" dirty="0" err="1" smtClean="0"/>
-              <a:t>prepare</a:t>
-            </a:r>
-            <a:endParaRPr lang="fr-CA" dirty="0" smtClean="0"/>
-          </a:p>
-          <a:p>
-            <a:r>
-              <a:rPr lang="fr-CA" dirty="0" err="1" smtClean="0"/>
-              <a:t>Pending</a:t>
-            </a:r>
-            <a:r>
-              <a:rPr lang="fr-CA" dirty="0" smtClean="0"/>
-              <a:t> </a:t>
-            </a:r>
-            <a:r>
-              <a:rPr lang="fr-CA" dirty="0" err="1" smtClean="0"/>
-              <a:t>operations</a:t>
-            </a:r>
-            <a:r>
-              <a:rPr lang="fr-CA" dirty="0" smtClean="0"/>
-              <a:t> are </a:t>
-            </a:r>
-            <a:r>
-              <a:rPr lang="fr-CA" dirty="0" err="1" smtClean="0"/>
-              <a:t>written</a:t>
-            </a:r>
-            <a:r>
-              <a:rPr lang="fr-CA" dirty="0" smtClean="0"/>
-              <a:t> to a </a:t>
-            </a:r>
-            <a:r>
-              <a:rPr lang="fr-CA" dirty="0" err="1" smtClean="0"/>
-              <a:t>temp</a:t>
-            </a:r>
-            <a:r>
-              <a:rPr lang="fr-CA" dirty="0" smtClean="0"/>
-              <a:t> file</a:t>
-            </a:r>
-          </a:p>
-          <a:p>
-            <a:r>
-              <a:rPr lang="fr-CA" dirty="0" smtClean="0"/>
-              <a:t>If all vote </a:t>
-            </a:r>
-            <a:r>
-              <a:rPr lang="fr-CA" dirty="0" err="1" smtClean="0"/>
-              <a:t>yes</a:t>
-            </a:r>
-            <a:r>
-              <a:rPr lang="fr-CA" dirty="0" smtClean="0"/>
-              <a:t>, MW </a:t>
-            </a:r>
-            <a:r>
-              <a:rPr lang="fr-CA" dirty="0" err="1" smtClean="0"/>
-              <a:t>confirms</a:t>
-            </a:r>
-            <a:r>
-              <a:rPr lang="fr-CA" dirty="0" smtClean="0"/>
-              <a:t> the commit</a:t>
-            </a:r>
-          </a:p>
-          <a:p>
-            <a:r>
-              <a:rPr lang="fr-CA" dirty="0" smtClean="0"/>
-              <a:t>Operations are </a:t>
-            </a:r>
-            <a:r>
-              <a:rPr lang="fr-CA" dirty="0" err="1" smtClean="0"/>
-              <a:t>written</a:t>
-            </a:r>
-            <a:r>
-              <a:rPr lang="fr-CA" dirty="0" smtClean="0"/>
-              <a:t> to the master table, </a:t>
-            </a:r>
-            <a:r>
-              <a:rPr lang="fr-CA" dirty="0" err="1" smtClean="0"/>
-              <a:t>which</a:t>
-            </a:r>
-            <a:r>
-              <a:rPr lang="fr-CA" dirty="0" smtClean="0"/>
-              <a:t> </a:t>
-            </a:r>
-            <a:r>
-              <a:rPr lang="fr-CA" dirty="0" err="1" smtClean="0"/>
-              <a:t>is</a:t>
-            </a:r>
-            <a:r>
-              <a:rPr lang="fr-CA" dirty="0" smtClean="0"/>
-              <a:t> </a:t>
-            </a:r>
-            <a:r>
-              <a:rPr lang="fr-CA" dirty="0" err="1" smtClean="0"/>
-              <a:t>saved</a:t>
-            </a:r>
-            <a:r>
-              <a:rPr lang="fr-CA" dirty="0" smtClean="0"/>
-              <a:t>.</a:t>
-            </a:r>
-            <a:endParaRPr lang="fr-CA" dirty="0"/>
-          </a:p>
-        </p:txBody>
-      </p:sp>
-    </p:spTree>
-    <p:extLst>
-      <p:ext uri="{BB962C8B-B14F-4D97-AF65-F5344CB8AC3E}">
-        <p14:creationId xmlns:p14="http://schemas.microsoft.com/office/powerpoint/2010/main" val="785847653"/>
-      </p:ext>
-    </p:extLst>
-  </p:cSld>
-  <p:clrMapOvr>
-    <a:masterClrMapping/>
-  </p:clrMapOvr>
-</p:sld>
-</file>
-
 <file path=ppt/slides/slide9.xml><?xml version="1.0" encoding="utf-8"?>
 <p:sld xmlns:a="http://schemas.openxmlformats.org/drawingml/2006/main" xmlns:r="http://schemas.openxmlformats.org/officeDocument/2006/relationships" xmlns:p="http://schemas.openxmlformats.org/presentationml/2006/main">
   <p:cSld>
@@ -5452,109 +5538,155 @@
           <a:lstStyle/>
           <a:p>
             <a:r>
+              <a:rPr lang="fr-CA" dirty="0" smtClean="0"/>
+              <a:t>2PC</a:t>
+            </a:r>
+            <a:endParaRPr lang="fr-CA" dirty="0"/>
+          </a:p>
+        </p:txBody>
+      </p:sp>
+      <p:sp>
+        <p:nvSpPr>
+          <p:cNvPr id="3" name="Espace réservé du contenu 2"/>
+          <p:cNvSpPr>
+            <a:spLocks noGrp="1"/>
+          </p:cNvSpPr>
+          <p:nvPr>
+            <p:ph idx="1"/>
+          </p:nvPr>
+        </p:nvSpPr>
+        <p:spPr/>
+        <p:txBody>
+          <a:bodyPr/>
+          <a:lstStyle/>
+          <a:p>
+            <a:r>
+              <a:rPr lang="fr-CA" dirty="0" smtClean="0"/>
+              <a:t>MW </a:t>
+            </a:r>
+            <a:r>
               <a:rPr lang="fr-CA" dirty="0" err="1" smtClean="0"/>
-              <a:t>Recovery</a:t>
+              <a:t>asks</a:t>
+            </a:r>
+            <a:r>
+              <a:rPr lang="fr-CA" dirty="0" smtClean="0"/>
+              <a:t> </a:t>
+            </a:r>
+            <a:r>
+              <a:rPr lang="fr-CA" dirty="0" err="1" smtClean="0"/>
+              <a:t>RMs</a:t>
+            </a:r>
+            <a:r>
+              <a:rPr lang="fr-CA" dirty="0" smtClean="0"/>
+              <a:t> to </a:t>
+            </a:r>
+            <a:r>
+              <a:rPr lang="fr-CA" dirty="0" err="1" smtClean="0"/>
+              <a:t>prepare</a:t>
+            </a:r>
+            <a:endParaRPr lang="fr-CA" dirty="0" smtClean="0"/>
+          </a:p>
+          <a:p>
+            <a:r>
+              <a:rPr lang="fr-CA" dirty="0" err="1" smtClean="0"/>
+              <a:t>Pending</a:t>
+            </a:r>
+            <a:r>
+              <a:rPr lang="fr-CA" dirty="0" smtClean="0"/>
+              <a:t> </a:t>
+            </a:r>
+            <a:r>
+              <a:rPr lang="fr-CA" dirty="0" err="1" smtClean="0"/>
+              <a:t>operations</a:t>
+            </a:r>
+            <a:r>
+              <a:rPr lang="fr-CA" dirty="0" smtClean="0"/>
+              <a:t> are </a:t>
+            </a:r>
+            <a:r>
+              <a:rPr lang="fr-CA" dirty="0" err="1" smtClean="0"/>
+              <a:t>written</a:t>
+            </a:r>
+            <a:r>
+              <a:rPr lang="fr-CA" dirty="0" smtClean="0"/>
+              <a:t> to a </a:t>
+            </a:r>
+            <a:r>
+              <a:rPr lang="fr-CA" dirty="0" err="1" smtClean="0"/>
+              <a:t>temp</a:t>
+            </a:r>
+            <a:r>
+              <a:rPr lang="fr-CA" dirty="0" smtClean="0"/>
+              <a:t> file</a:t>
+            </a:r>
+          </a:p>
+          <a:p>
+            <a:r>
+              <a:rPr lang="fr-CA" dirty="0" smtClean="0"/>
+              <a:t>If all vote </a:t>
+            </a:r>
+            <a:r>
+              <a:rPr lang="fr-CA" dirty="0" err="1" smtClean="0"/>
+              <a:t>yes</a:t>
+            </a:r>
+            <a:r>
+              <a:rPr lang="fr-CA" dirty="0" smtClean="0"/>
+              <a:t>, MW </a:t>
+            </a:r>
+            <a:r>
+              <a:rPr lang="fr-CA" dirty="0" err="1" smtClean="0"/>
+              <a:t>confirms</a:t>
+            </a:r>
+            <a:r>
+              <a:rPr lang="fr-CA" dirty="0" smtClean="0"/>
+              <a:t> the commit</a:t>
+            </a:r>
+          </a:p>
+          <a:p>
+            <a:r>
+              <a:rPr lang="fr-CA" dirty="0" smtClean="0"/>
+              <a:t>Operations are </a:t>
+            </a:r>
+            <a:r>
+              <a:rPr lang="fr-CA" dirty="0" err="1" smtClean="0"/>
+              <a:t>written</a:t>
+            </a:r>
+            <a:r>
+              <a:rPr lang="fr-CA" dirty="0" smtClean="0"/>
+              <a:t> to the master table, </a:t>
+            </a:r>
+            <a:r>
+              <a:rPr lang="fr-CA" dirty="0" err="1" smtClean="0"/>
+              <a:t>which</a:t>
+            </a:r>
+            <a:r>
+              <a:rPr lang="fr-CA" dirty="0" smtClean="0"/>
+              <a:t> </a:t>
+            </a:r>
+            <a:r>
+              <a:rPr lang="fr-CA" dirty="0" err="1" smtClean="0"/>
+              <a:t>is</a:t>
+            </a:r>
+            <a:r>
+              <a:rPr lang="fr-CA" dirty="0" smtClean="0"/>
+              <a:t> </a:t>
+            </a:r>
+            <a:r>
+              <a:rPr lang="fr-CA" dirty="0" err="1" smtClean="0"/>
+              <a:t>saved</a:t>
+            </a:r>
+            <a:r>
+              <a:rPr lang="fr-CA" dirty="0" smtClean="0"/>
+              <a:t>.</a:t>
             </a:r>
             <a:endParaRPr lang="fr-CA" dirty="0"/>
-          </a:p>
-        </p:txBody>
-      </p:sp>
-      <p:pic>
-        <p:nvPicPr>
-          <p:cNvPr id="3074" name="Picture 2"/>
-          <p:cNvPicPr>
-            <a:picLocks noChangeAspect="1" noChangeArrowheads="1"/>
-          </p:cNvPicPr>
-          <p:nvPr/>
-        </p:nvPicPr>
-        <p:blipFill>
-          <a:blip r:embed="rId2">
-            <a:extLst>
-              <a:ext uri="{28A0092B-C50C-407E-A947-70E740481C1C}">
-                <a14:useLocalDpi xmlns:a14="http://schemas.microsoft.com/office/drawing/2010/main" val="0"/>
-              </a:ext>
-            </a:extLst>
-          </a:blip>
-          <a:srcRect/>
-          <a:stretch>
-            <a:fillRect/>
-          </a:stretch>
-        </p:blipFill>
-        <p:spPr bwMode="auto">
-          <a:xfrm>
-            <a:off x="467544" y="2348880"/>
-            <a:ext cx="8629650" cy="2905125"/>
-          </a:xfrm>
-          <a:prstGeom prst="rect">
-            <a:avLst/>
-          </a:prstGeom>
-          <a:noFill/>
-          <a:ln>
-            <a:noFill/>
-          </a:ln>
-          <a:extLst>
-            <a:ext uri="{909E8E84-426E-40DD-AFC4-6F175D3DCCD1}">
-              <a14:hiddenFill xmlns:a14="http://schemas.microsoft.com/office/drawing/2010/main">
-                <a:solidFill>
-                  <a:schemeClr val="accent1"/>
-                </a:solidFill>
-              </a14:hiddenFill>
-            </a:ext>
-            <a:ext uri="{91240B29-F687-4F45-9708-019B960494DF}">
-              <a14:hiddenLine xmlns:a14="http://schemas.microsoft.com/office/drawing/2010/main" w="9525">
-                <a:solidFill>
-                  <a:schemeClr val="tx1"/>
-                </a:solidFill>
-                <a:miter lim="800000"/>
-                <a:headEnd/>
-                <a:tailEnd/>
-              </a14:hiddenLine>
-            </a:ext>
-          </a:extLst>
-        </p:spPr>
-      </p:pic>
-      <p:sp>
-        <p:nvSpPr>
-          <p:cNvPr id="5" name="ZoneTexte 4"/>
-          <p:cNvSpPr txBox="1"/>
-          <p:nvPr/>
-        </p:nvSpPr>
-        <p:spPr>
-          <a:xfrm>
-            <a:off x="467544" y="1426243"/>
-            <a:ext cx="1750800" cy="400110"/>
-          </a:xfrm>
-          <a:prstGeom prst="rect">
-            <a:avLst/>
-          </a:prstGeom>
-          <a:noFill/>
-        </p:spPr>
-        <p:txBody>
-          <a:bodyPr wrap="none" rtlCol="0">
-            <a:spAutoFit/>
-          </a:bodyPr>
-          <a:lstStyle/>
-          <a:p>
-            <a:r>
-              <a:rPr lang="fr-CA" sz="2000" dirty="0" smtClean="0"/>
-              <a:t>Cases </a:t>
-            </a:r>
-            <a:r>
-              <a:rPr lang="fr-CA" sz="2000" dirty="0" err="1" smtClean="0"/>
-              <a:t>handled</a:t>
-            </a:r>
-            <a:r>
-              <a:rPr lang="fr-CA" sz="2000" dirty="0" smtClean="0"/>
-              <a:t>:</a:t>
-            </a:r>
-            <a:endParaRPr lang="fr-CA" sz="2000" dirty="0"/>
           </a:p>
         </p:txBody>
       </p:sp>
     </p:spTree>
     <p:extLst>
       <p:ext uri="{BB962C8B-B14F-4D97-AF65-F5344CB8AC3E}">
-        <p14:creationId xmlns:p14="http://schemas.microsoft.com/office/powerpoint/2010/main" val="68773386"/>
+        <p14:creationId xmlns:p14="http://schemas.microsoft.com/office/powerpoint/2010/main" val="785847653"/>
       </p:ext>
     </p:extLst>
   </p:cSld>
